--- a/figures.pptx
+++ b/figures.pptx
@@ -14,6 +14,7 @@
     <p:sldId id="261" r:id="rId8"/>
     <p:sldId id="263" r:id="rId9"/>
     <p:sldId id="264" r:id="rId10"/>
+    <p:sldId id="265" r:id="rId11"/>
   </p:sldIdLst>
   <p:sldSz cx="9144000" cy="6858000" type="screen4x3"/>
   <p:notesSz cx="6858000" cy="9144000"/>
@@ -3781,6 +3782,86 @@
     <p:extLst>
       <p:ext uri="{BB962C8B-B14F-4D97-AF65-F5344CB8AC3E}">
         <p14:creationId xmlns:p14="http://schemas.microsoft.com/office/powerpoint/2010/main" val="101355207"/>
+      </p:ext>
+    </p:extLst>
+  </p:cSld>
+  <p:clrMapOvr>
+    <a:masterClrMapping/>
+  </p:clrMapOvr>
+</p:sld>
+</file>
+
+<file path=ppt/slides/slide10.xml><?xml version="1.0" encoding="utf-8"?>
+<p:sld xmlns:a="http://schemas.openxmlformats.org/drawingml/2006/main" xmlns:r="http://schemas.openxmlformats.org/officeDocument/2006/relationships" xmlns:p="http://schemas.openxmlformats.org/presentationml/2006/main">
+  <p:cSld>
+    <p:spTree>
+      <p:nvGrpSpPr>
+        <p:cNvPr id="1" name=""/>
+        <p:cNvGrpSpPr/>
+        <p:nvPr/>
+      </p:nvGrpSpPr>
+      <p:grpSpPr>
+        <a:xfrm>
+          <a:off x="0" y="0"/>
+          <a:ext cx="0" cy="0"/>
+          <a:chOff x="0" y="0"/>
+          <a:chExt cx="0" cy="0"/>
+        </a:xfrm>
+      </p:grpSpPr>
+      <p:pic>
+        <p:nvPicPr>
+          <p:cNvPr id="2" name="Picture 1" descr="MKW11-170892-ellipse-profiles-Ha.eps"/>
+          <p:cNvPicPr>
+            <a:picLocks noChangeAspect="1"/>
+          </p:cNvPicPr>
+          <p:nvPr/>
+        </p:nvPicPr>
+        <p:blipFill>
+          <a:blip r:embed="rId2"/>
+          <a:srcRect l="909" t="2809" r="2727" b="51348"/>
+          <a:stretch>
+            <a:fillRect/>
+          </a:stretch>
+        </p:blipFill>
+        <p:spPr>
+          <a:xfrm>
+            <a:off x="1155700" y="590550"/>
+            <a:ext cx="6429562" cy="2062312"/>
+          </a:xfrm>
+          <a:prstGeom prst="rect">
+            <a:avLst/>
+          </a:prstGeom>
+        </p:spPr>
+      </p:pic>
+      <p:pic>
+        <p:nvPicPr>
+          <p:cNvPr id="3" name="Picture 2" descr="MKW11-170892-ellipse-profiles-Ha.eps"/>
+          <p:cNvPicPr>
+            <a:picLocks noChangeAspect="1"/>
+          </p:cNvPicPr>
+          <p:nvPr/>
+        </p:nvPicPr>
+        <p:blipFill>
+          <a:blip r:embed="rId3"/>
+          <a:srcRect l="31970" t="46180" r="21667" b="10839"/>
+          <a:stretch>
+            <a:fillRect/>
+          </a:stretch>
+        </p:blipFill>
+        <p:spPr>
+          <a:xfrm>
+            <a:off x="1587500" y="2927350"/>
+            <a:ext cx="5332212" cy="3332931"/>
+          </a:xfrm>
+          <a:prstGeom prst="rect">
+            <a:avLst/>
+          </a:prstGeom>
+        </p:spPr>
+      </p:pic>
+    </p:spTree>
+    <p:extLst>
+      <p:ext uri="{BB962C8B-B14F-4D97-AF65-F5344CB8AC3E}">
+        <p14:creationId xmlns:p14="http://schemas.microsoft.com/office/powerpoint/2010/main" val="3229214762"/>
       </p:ext>
     </p:extLst>
   </p:cSld>
